--- a/FSMPresentation.pptx
+++ b/FSMPresentation.pptx
@@ -3580,10 +3580,10 @@
       </p:sp>
       <p:pic>
         <p:nvPicPr>
-          <p:cNvPr id="3" name="Picture 2" descr="Text&#10;&#10;Description automatically generated">
-            <a:extLst>
-              <a:ext uri="{FF2B5EF4-FFF2-40B4-BE49-F238E27FC236}">
-                <a16:creationId xmlns:a16="http://schemas.microsoft.com/office/drawing/2014/main" id="{A1D4FFF3-B303-574C-A84E-F2924C513B91}"/>
+          <p:cNvPr id="8" name="Picture 7" descr="Text&#10;&#10;Description automatically generated">
+            <a:extLst>
+              <a:ext uri="{FF2B5EF4-FFF2-40B4-BE49-F238E27FC236}">
+                <a16:creationId xmlns:a16="http://schemas.microsoft.com/office/drawing/2014/main" id="{F9C9F63D-8A54-AE4B-832A-A1545F9EB3ED}"/>
               </a:ext>
             </a:extLst>
           </p:cNvPr>
@@ -3600,8 +3600,8 @@
         </p:blipFill>
         <p:spPr>
           <a:xfrm>
-            <a:off x="786641" y="1396228"/>
-            <a:ext cx="7570718" cy="4564197"/>
+            <a:off x="722036" y="1333475"/>
+            <a:ext cx="7699927" cy="4694752"/>
           </a:xfrm>
           <a:prstGeom prst="rect">
             <a:avLst/>
@@ -5568,7 +5568,7 @@
                 <a:ea typeface="Verdana" panose="020B0604030504040204" pitchFamily="34" charset="0"/>
                 <a:cs typeface="Verdana" panose="020B0604030504040204" pitchFamily="34" charset="0"/>
               </a:rPr>
-              <a:t>Is a machine that accepts or rejects a given string of symbols by running through a state sequence uniquely determines by the string.</a:t>
+              <a:t>Is a machine that accepts or rejects a given string of symbols by running through a state sequence uniquely determined by the string.</a:t>
             </a:r>
           </a:p>
           <a:p>
